--- a/Chinese/课文/《察传》/察传.pptx
+++ b/Chinese/课文/《察传》/察传.pptx
@@ -1,31 +1,31 @@
 
 <file path=ppt/presentation.xml><?xml version="1.0" encoding="utf-8"?>
-<p:presentation xmlns:a="http://schemas.openxmlformats.org/drawingml/2006/main" xmlns:r="http://schemas.openxmlformats.org/officeDocument/2006/relationships" xmlns:p="http://schemas.openxmlformats.org/presentationml/2006/main" saveSubsetFonts="1">
+<p:presentation xmlns:a="http://schemas.openxmlformats.org/drawingml/2006/main" xmlns:r="http://schemas.openxmlformats.org/officeDocument/2006/relationships" xmlns:p="http://schemas.openxmlformats.org/presentationml/2006/main">
   <p:sldMasterIdLst>
     <p:sldMasterId id="2147483648" r:id="rId1"/>
   </p:sldMasterIdLst>
   <p:notesMasterIdLst>
-    <p:notesMasterId r:id="rId20"/>
+    <p:notesMasterId r:id="rId17"/>
   </p:notesMasterIdLst>
   <p:sldIdLst>
-    <p:sldId id="256" r:id="rId2"/>
-    <p:sldId id="282" r:id="rId3"/>
-    <p:sldId id="283" r:id="rId4"/>
-    <p:sldId id="284" r:id="rId5"/>
-    <p:sldId id="285" r:id="rId6"/>
-    <p:sldId id="286" r:id="rId7"/>
-    <p:sldId id="257" r:id="rId8"/>
-    <p:sldId id="260" r:id="rId9"/>
-    <p:sldId id="261" r:id="rId10"/>
-    <p:sldId id="262" r:id="rId11"/>
-    <p:sldId id="263" r:id="rId12"/>
-    <p:sldId id="264" r:id="rId13"/>
-    <p:sldId id="278" r:id="rId14"/>
-    <p:sldId id="271" r:id="rId15"/>
-    <p:sldId id="272" r:id="rId16"/>
-    <p:sldId id="268" r:id="rId17"/>
-    <p:sldId id="270" r:id="rId18"/>
-    <p:sldId id="269" r:id="rId19"/>
+    <p:sldId id="256" r:id="rId3"/>
+    <p:sldId id="282" r:id="rId4"/>
+    <p:sldId id="283" r:id="rId5"/>
+    <p:sldId id="284" r:id="rId6"/>
+    <p:sldId id="285" r:id="rId7"/>
+    <p:sldId id="286" r:id="rId8"/>
+    <p:sldId id="257" r:id="rId9"/>
+    <p:sldId id="260" r:id="rId10"/>
+    <p:sldId id="261" r:id="rId11"/>
+    <p:sldId id="262" r:id="rId12"/>
+    <p:sldId id="263" r:id="rId13"/>
+    <p:sldId id="264" r:id="rId14"/>
+    <p:sldId id="278" r:id="rId15"/>
+    <p:sldId id="271" r:id="rId16"/>
+    <p:sldId id="272" r:id="rId18"/>
+    <p:sldId id="268" r:id="rId19"/>
+    <p:sldId id="270" r:id="rId20"/>
+    <p:sldId id="269" r:id="rId21"/>
   </p:sldIdLst>
   <p:sldSz cx="12192000" cy="6858000"/>
   <p:notesSz cx="6858000" cy="9144000"/>
@@ -124,11 +124,6 @@
       </a:defRPr>
     </a:lvl9pPr>
   </p:defaultTextStyle>
-  <p:extLst>
-    <p:ext uri="{EFAFB233-063F-42B5-8137-9DF3F51BA10A}">
-      <p15:sldGuideLst xmlns:p15="http://schemas.microsoft.com/office/powerpoint/2012/main"/>
-    </p:ext>
-  </p:extLst>
 </p:presentation>
 </file>
 
@@ -214,7 +209,6 @@
           <a:p>
             <a:fld id="{686D97D6-6AB7-42DC-9EAE-34C469B55008}" type="datetimeFigureOut">
               <a:rPr lang="zh-CN" altLang="en-US" smtClean="0"/>
-              <a:t>2020/7/23</a:t>
             </a:fld>
             <a:endParaRPr lang="zh-CN" altLang="en-US"/>
           </a:p>
@@ -281,6 +275,7 @@
               <a:rPr lang="zh-CN" altLang="en-US"/>
               <a:t>单击此处编辑母版文本样式</a:t>
             </a:r>
+            <a:endParaRPr lang="zh-CN" altLang="en-US"/>
           </a:p>
           <a:p>
             <a:pPr lvl="1"/>
@@ -288,6 +283,7 @@
               <a:rPr lang="zh-CN" altLang="en-US"/>
               <a:t>二级</a:t>
             </a:r>
+            <a:endParaRPr lang="zh-CN" altLang="en-US"/>
           </a:p>
           <a:p>
             <a:pPr lvl="2"/>
@@ -295,6 +291,7 @@
               <a:rPr lang="zh-CN" altLang="en-US"/>
               <a:t>三级</a:t>
             </a:r>
+            <a:endParaRPr lang="zh-CN" altLang="en-US"/>
           </a:p>
           <a:p>
             <a:pPr lvl="3"/>
@@ -302,6 +299,7 @@
               <a:rPr lang="zh-CN" altLang="en-US"/>
               <a:t>四级</a:t>
             </a:r>
+            <a:endParaRPr lang="zh-CN" altLang="en-US"/>
           </a:p>
           <a:p>
             <a:pPr lvl="4"/>
@@ -309,6 +307,7 @@
               <a:rPr lang="zh-CN" altLang="en-US"/>
               <a:t>五级</a:t>
             </a:r>
+            <a:endParaRPr lang="zh-CN" altLang="en-US"/>
           </a:p>
         </p:txBody>
       </p:sp>
@@ -372,18 +371,12 @@
           <a:p>
             <a:fld id="{7DC8CCA9-82EC-4295-B260-9E8FD2E1DB28}" type="slidenum">
               <a:rPr lang="zh-CN" altLang="en-US" smtClean="0"/>
-              <a:t>‹#›</a:t>
             </a:fld>
             <a:endParaRPr lang="zh-CN" altLang="en-US"/>
           </a:p>
         </p:txBody>
       </p:sp>
     </p:spTree>
-    <p:extLst>
-      <p:ext uri="{BB962C8B-B14F-4D97-AF65-F5344CB8AC3E}">
-        <p14:creationId xmlns:p14="http://schemas.microsoft.com/office/powerpoint/2010/main" val="1651524027"/>
-      </p:ext>
-    </p:extLst>
   </p:cSld>
   <p:clrMap bg1="lt1" tx1="dk1" bg2="lt2" tx2="dk2" accent1="accent1" accent2="accent2" accent3="accent3" accent4="accent4" accent5="accent5" accent6="accent6" hlink="hlink" folHlink="folHlink"/>
   <p:notesStyle>
@@ -546,18 +539,12 @@
           <a:p>
             <a:fld id="{7DC8CCA9-82EC-4295-B260-9E8FD2E1DB28}" type="slidenum">
               <a:rPr lang="zh-CN" altLang="en-US" smtClean="0"/>
-              <a:t>14</a:t>
             </a:fld>
             <a:endParaRPr lang="zh-CN" altLang="en-US"/>
           </a:p>
         </p:txBody>
       </p:sp>
     </p:spTree>
-    <p:extLst>
-      <p:ext uri="{BB962C8B-B14F-4D97-AF65-F5344CB8AC3E}">
-        <p14:creationId xmlns:p14="http://schemas.microsoft.com/office/powerpoint/2010/main" val="2519406612"/>
-      </p:ext>
-    </p:extLst>
   </p:cSld>
   <p:clrMapOvr>
     <a:masterClrMapping/>
@@ -610,6 +597,7 @@
               <a:rPr lang="zh-CN" altLang="en-US"/>
               <a:t>单击此处编辑母版标题样式</a:t>
             </a:r>
+            <a:endParaRPr lang="zh-CN" altLang="en-US"/>
           </a:p>
         </p:txBody>
       </p:sp>
@@ -674,6 +662,7 @@
               <a:rPr lang="zh-CN" altLang="en-US"/>
               <a:t>单击此处编辑母版副标题样式</a:t>
             </a:r>
+            <a:endParaRPr lang="zh-CN" altLang="en-US"/>
           </a:p>
         </p:txBody>
       </p:sp>
@@ -694,7 +683,6 @@
           <a:p>
             <a:fld id="{0BC90807-C457-4FF9-BE83-47C3092CF338}" type="datetimeFigureOut">
               <a:rPr lang="zh-CN" altLang="en-US" smtClean="0"/>
-              <a:t>2020/7/23</a:t>
             </a:fld>
             <a:endParaRPr lang="zh-CN" altLang="en-US"/>
           </a:p>
@@ -736,18 +724,12 @@
           <a:p>
             <a:fld id="{95E117CB-DFA4-4A10-A82A-D639EBF773AF}" type="slidenum">
               <a:rPr lang="zh-CN" altLang="en-US" smtClean="0"/>
-              <a:t>‹#›</a:t>
             </a:fld>
             <a:endParaRPr lang="zh-CN" altLang="en-US"/>
           </a:p>
         </p:txBody>
       </p:sp>
     </p:spTree>
-    <p:extLst>
-      <p:ext uri="{BB962C8B-B14F-4D97-AF65-F5344CB8AC3E}">
-        <p14:creationId xmlns:p14="http://schemas.microsoft.com/office/powerpoint/2010/main" val="3435288204"/>
-      </p:ext>
-    </p:extLst>
   </p:cSld>
   <p:clrMapOvr>
     <a:masterClrMapping/>
@@ -791,6 +773,7 @@
               <a:rPr lang="zh-CN" altLang="en-US"/>
               <a:t>单击此处编辑母版标题样式</a:t>
             </a:r>
+            <a:endParaRPr lang="zh-CN" altLang="en-US"/>
           </a:p>
         </p:txBody>
       </p:sp>
@@ -814,6 +797,7 @@
               <a:rPr lang="zh-CN" altLang="en-US"/>
               <a:t>单击此处编辑母版文本样式</a:t>
             </a:r>
+            <a:endParaRPr lang="zh-CN" altLang="en-US"/>
           </a:p>
           <a:p>
             <a:pPr lvl="1"/>
@@ -821,6 +805,7 @@
               <a:rPr lang="zh-CN" altLang="en-US"/>
               <a:t>第二级</a:t>
             </a:r>
+            <a:endParaRPr lang="zh-CN" altLang="en-US"/>
           </a:p>
           <a:p>
             <a:pPr lvl="2"/>
@@ -828,6 +813,7 @@
               <a:rPr lang="zh-CN" altLang="en-US"/>
               <a:t>第三级</a:t>
             </a:r>
+            <a:endParaRPr lang="zh-CN" altLang="en-US"/>
           </a:p>
           <a:p>
             <a:pPr lvl="3"/>
@@ -835,6 +821,7 @@
               <a:rPr lang="zh-CN" altLang="en-US"/>
               <a:t>第四级</a:t>
             </a:r>
+            <a:endParaRPr lang="zh-CN" altLang="en-US"/>
           </a:p>
           <a:p>
             <a:pPr lvl="4"/>
@@ -842,6 +829,7 @@
               <a:rPr lang="zh-CN" altLang="en-US"/>
               <a:t>第五级</a:t>
             </a:r>
+            <a:endParaRPr lang="zh-CN" altLang="en-US"/>
           </a:p>
         </p:txBody>
       </p:sp>
@@ -862,7 +850,6 @@
           <a:p>
             <a:fld id="{0BC90807-C457-4FF9-BE83-47C3092CF338}" type="datetimeFigureOut">
               <a:rPr lang="zh-CN" altLang="en-US" smtClean="0"/>
-              <a:t>2020/7/23</a:t>
             </a:fld>
             <a:endParaRPr lang="zh-CN" altLang="en-US"/>
           </a:p>
@@ -904,18 +891,12 @@
           <a:p>
             <a:fld id="{95E117CB-DFA4-4A10-A82A-D639EBF773AF}" type="slidenum">
               <a:rPr lang="zh-CN" altLang="en-US" smtClean="0"/>
-              <a:t>‹#›</a:t>
             </a:fld>
             <a:endParaRPr lang="zh-CN" altLang="en-US"/>
           </a:p>
         </p:txBody>
       </p:sp>
     </p:spTree>
-    <p:extLst>
-      <p:ext uri="{BB962C8B-B14F-4D97-AF65-F5344CB8AC3E}">
-        <p14:creationId xmlns:p14="http://schemas.microsoft.com/office/powerpoint/2010/main" val="97188224"/>
-      </p:ext>
-    </p:extLst>
   </p:cSld>
   <p:clrMapOvr>
     <a:masterClrMapping/>
@@ -964,6 +945,7 @@
               <a:rPr lang="zh-CN" altLang="en-US"/>
               <a:t>单击此处编辑母版标题样式</a:t>
             </a:r>
+            <a:endParaRPr lang="zh-CN" altLang="en-US"/>
           </a:p>
         </p:txBody>
       </p:sp>
@@ -992,6 +974,7 @@
               <a:rPr lang="zh-CN" altLang="en-US"/>
               <a:t>单击此处编辑母版文本样式</a:t>
             </a:r>
+            <a:endParaRPr lang="zh-CN" altLang="en-US"/>
           </a:p>
           <a:p>
             <a:pPr lvl="1"/>
@@ -999,6 +982,7 @@
               <a:rPr lang="zh-CN" altLang="en-US"/>
               <a:t>第二级</a:t>
             </a:r>
+            <a:endParaRPr lang="zh-CN" altLang="en-US"/>
           </a:p>
           <a:p>
             <a:pPr lvl="2"/>
@@ -1006,6 +990,7 @@
               <a:rPr lang="zh-CN" altLang="en-US"/>
               <a:t>第三级</a:t>
             </a:r>
+            <a:endParaRPr lang="zh-CN" altLang="en-US"/>
           </a:p>
           <a:p>
             <a:pPr lvl="3"/>
@@ -1013,6 +998,7 @@
               <a:rPr lang="zh-CN" altLang="en-US"/>
               <a:t>第四级</a:t>
             </a:r>
+            <a:endParaRPr lang="zh-CN" altLang="en-US"/>
           </a:p>
           <a:p>
             <a:pPr lvl="4"/>
@@ -1020,6 +1006,7 @@
               <a:rPr lang="zh-CN" altLang="en-US"/>
               <a:t>第五级</a:t>
             </a:r>
+            <a:endParaRPr lang="zh-CN" altLang="en-US"/>
           </a:p>
         </p:txBody>
       </p:sp>
@@ -1040,7 +1027,6 @@
           <a:p>
             <a:fld id="{0BC90807-C457-4FF9-BE83-47C3092CF338}" type="datetimeFigureOut">
               <a:rPr lang="zh-CN" altLang="en-US" smtClean="0"/>
-              <a:t>2020/7/23</a:t>
             </a:fld>
             <a:endParaRPr lang="zh-CN" altLang="en-US"/>
           </a:p>
@@ -1082,18 +1068,12 @@
           <a:p>
             <a:fld id="{95E117CB-DFA4-4A10-A82A-D639EBF773AF}" type="slidenum">
               <a:rPr lang="zh-CN" altLang="en-US" smtClean="0"/>
-              <a:t>‹#›</a:t>
             </a:fld>
             <a:endParaRPr lang="zh-CN" altLang="en-US"/>
           </a:p>
         </p:txBody>
       </p:sp>
     </p:spTree>
-    <p:extLst>
-      <p:ext uri="{BB962C8B-B14F-4D97-AF65-F5344CB8AC3E}">
-        <p14:creationId xmlns:p14="http://schemas.microsoft.com/office/powerpoint/2010/main" val="2608362054"/>
-      </p:ext>
-    </p:extLst>
   </p:cSld>
   <p:clrMapOvr>
     <a:masterClrMapping/>
@@ -1137,6 +1117,7 @@
               <a:rPr lang="zh-CN" altLang="en-US"/>
               <a:t>单击此处编辑母版标题样式</a:t>
             </a:r>
+            <a:endParaRPr lang="zh-CN" altLang="en-US"/>
           </a:p>
         </p:txBody>
       </p:sp>
@@ -1160,6 +1141,7 @@
               <a:rPr lang="zh-CN" altLang="en-US"/>
               <a:t>单击此处编辑母版文本样式</a:t>
             </a:r>
+            <a:endParaRPr lang="zh-CN" altLang="en-US"/>
           </a:p>
           <a:p>
             <a:pPr lvl="1"/>
@@ -1167,6 +1149,7 @@
               <a:rPr lang="zh-CN" altLang="en-US"/>
               <a:t>第二级</a:t>
             </a:r>
+            <a:endParaRPr lang="zh-CN" altLang="en-US"/>
           </a:p>
           <a:p>
             <a:pPr lvl="2"/>
@@ -1174,6 +1157,7 @@
               <a:rPr lang="zh-CN" altLang="en-US"/>
               <a:t>第三级</a:t>
             </a:r>
+            <a:endParaRPr lang="zh-CN" altLang="en-US"/>
           </a:p>
           <a:p>
             <a:pPr lvl="3"/>
@@ -1181,6 +1165,7 @@
               <a:rPr lang="zh-CN" altLang="en-US"/>
               <a:t>第四级</a:t>
             </a:r>
+            <a:endParaRPr lang="zh-CN" altLang="en-US"/>
           </a:p>
           <a:p>
             <a:pPr lvl="4"/>
@@ -1188,6 +1173,7 @@
               <a:rPr lang="zh-CN" altLang="en-US"/>
               <a:t>第五级</a:t>
             </a:r>
+            <a:endParaRPr lang="zh-CN" altLang="en-US"/>
           </a:p>
         </p:txBody>
       </p:sp>
@@ -1208,7 +1194,6 @@
           <a:p>
             <a:fld id="{0BC90807-C457-4FF9-BE83-47C3092CF338}" type="datetimeFigureOut">
               <a:rPr lang="zh-CN" altLang="en-US" smtClean="0"/>
-              <a:t>2020/7/23</a:t>
             </a:fld>
             <a:endParaRPr lang="zh-CN" altLang="en-US"/>
           </a:p>
@@ -1250,18 +1235,12 @@
           <a:p>
             <a:fld id="{95E117CB-DFA4-4A10-A82A-D639EBF773AF}" type="slidenum">
               <a:rPr lang="zh-CN" altLang="en-US" smtClean="0"/>
-              <a:t>‹#›</a:t>
             </a:fld>
             <a:endParaRPr lang="zh-CN" altLang="en-US"/>
           </a:p>
         </p:txBody>
       </p:sp>
     </p:spTree>
-    <p:extLst>
-      <p:ext uri="{BB962C8B-B14F-4D97-AF65-F5344CB8AC3E}">
-        <p14:creationId xmlns:p14="http://schemas.microsoft.com/office/powerpoint/2010/main" val="2242941266"/>
-      </p:ext>
-    </p:extLst>
   </p:cSld>
   <p:clrMapOvr>
     <a:masterClrMapping/>
@@ -1314,6 +1293,7 @@
               <a:rPr lang="zh-CN" altLang="en-US"/>
               <a:t>单击此处编辑母版标题样式</a:t>
             </a:r>
+            <a:endParaRPr lang="zh-CN" altLang="en-US"/>
           </a:p>
         </p:txBody>
       </p:sp>
@@ -1433,6 +1413,7 @@
               <a:rPr lang="zh-CN" altLang="en-US"/>
               <a:t>单击此处编辑母版文本样式</a:t>
             </a:r>
+            <a:endParaRPr lang="zh-CN" altLang="en-US"/>
           </a:p>
         </p:txBody>
       </p:sp>
@@ -1453,7 +1434,6 @@
           <a:p>
             <a:fld id="{0BC90807-C457-4FF9-BE83-47C3092CF338}" type="datetimeFigureOut">
               <a:rPr lang="zh-CN" altLang="en-US" smtClean="0"/>
-              <a:t>2020/7/23</a:t>
             </a:fld>
             <a:endParaRPr lang="zh-CN" altLang="en-US"/>
           </a:p>
@@ -1495,18 +1475,12 @@
           <a:p>
             <a:fld id="{95E117CB-DFA4-4A10-A82A-D639EBF773AF}" type="slidenum">
               <a:rPr lang="zh-CN" altLang="en-US" smtClean="0"/>
-              <a:t>‹#›</a:t>
             </a:fld>
             <a:endParaRPr lang="zh-CN" altLang="en-US"/>
           </a:p>
         </p:txBody>
       </p:sp>
     </p:spTree>
-    <p:extLst>
-      <p:ext uri="{BB962C8B-B14F-4D97-AF65-F5344CB8AC3E}">
-        <p14:creationId xmlns:p14="http://schemas.microsoft.com/office/powerpoint/2010/main" val="773202339"/>
-      </p:ext>
-    </p:extLst>
   </p:cSld>
   <p:clrMapOvr>
     <a:masterClrMapping/>
@@ -1550,6 +1524,7 @@
               <a:rPr lang="zh-CN" altLang="en-US"/>
               <a:t>单击此处编辑母版标题样式</a:t>
             </a:r>
+            <a:endParaRPr lang="zh-CN" altLang="en-US"/>
           </a:p>
         </p:txBody>
       </p:sp>
@@ -1578,6 +1553,7 @@
               <a:rPr lang="zh-CN" altLang="en-US"/>
               <a:t>单击此处编辑母版文本样式</a:t>
             </a:r>
+            <a:endParaRPr lang="zh-CN" altLang="en-US"/>
           </a:p>
           <a:p>
             <a:pPr lvl="1"/>
@@ -1585,6 +1561,7 @@
               <a:rPr lang="zh-CN" altLang="en-US"/>
               <a:t>第二级</a:t>
             </a:r>
+            <a:endParaRPr lang="zh-CN" altLang="en-US"/>
           </a:p>
           <a:p>
             <a:pPr lvl="2"/>
@@ -1592,6 +1569,7 @@
               <a:rPr lang="zh-CN" altLang="en-US"/>
               <a:t>第三级</a:t>
             </a:r>
+            <a:endParaRPr lang="zh-CN" altLang="en-US"/>
           </a:p>
           <a:p>
             <a:pPr lvl="3"/>
@@ -1599,6 +1577,7 @@
               <a:rPr lang="zh-CN" altLang="en-US"/>
               <a:t>第四级</a:t>
             </a:r>
+            <a:endParaRPr lang="zh-CN" altLang="en-US"/>
           </a:p>
           <a:p>
             <a:pPr lvl="4"/>
@@ -1606,6 +1585,7 @@
               <a:rPr lang="zh-CN" altLang="en-US"/>
               <a:t>第五级</a:t>
             </a:r>
+            <a:endParaRPr lang="zh-CN" altLang="en-US"/>
           </a:p>
         </p:txBody>
       </p:sp>
@@ -1634,6 +1614,7 @@
               <a:rPr lang="zh-CN" altLang="en-US"/>
               <a:t>单击此处编辑母版文本样式</a:t>
             </a:r>
+            <a:endParaRPr lang="zh-CN" altLang="en-US"/>
           </a:p>
           <a:p>
             <a:pPr lvl="1"/>
@@ -1641,6 +1622,7 @@
               <a:rPr lang="zh-CN" altLang="en-US"/>
               <a:t>第二级</a:t>
             </a:r>
+            <a:endParaRPr lang="zh-CN" altLang="en-US"/>
           </a:p>
           <a:p>
             <a:pPr lvl="2"/>
@@ -1648,6 +1630,7 @@
               <a:rPr lang="zh-CN" altLang="en-US"/>
               <a:t>第三级</a:t>
             </a:r>
+            <a:endParaRPr lang="zh-CN" altLang="en-US"/>
           </a:p>
           <a:p>
             <a:pPr lvl="3"/>
@@ -1655,6 +1638,7 @@
               <a:rPr lang="zh-CN" altLang="en-US"/>
               <a:t>第四级</a:t>
             </a:r>
+            <a:endParaRPr lang="zh-CN" altLang="en-US"/>
           </a:p>
           <a:p>
             <a:pPr lvl="4"/>
@@ -1662,6 +1646,7 @@
               <a:rPr lang="zh-CN" altLang="en-US"/>
               <a:t>第五级</a:t>
             </a:r>
+            <a:endParaRPr lang="zh-CN" altLang="en-US"/>
           </a:p>
         </p:txBody>
       </p:sp>
@@ -1682,7 +1667,6 @@
           <a:p>
             <a:fld id="{0BC90807-C457-4FF9-BE83-47C3092CF338}" type="datetimeFigureOut">
               <a:rPr lang="zh-CN" altLang="en-US" smtClean="0"/>
-              <a:t>2020/7/23</a:t>
             </a:fld>
             <a:endParaRPr lang="zh-CN" altLang="en-US"/>
           </a:p>
@@ -1724,18 +1708,12 @@
           <a:p>
             <a:fld id="{95E117CB-DFA4-4A10-A82A-D639EBF773AF}" type="slidenum">
               <a:rPr lang="zh-CN" altLang="en-US" smtClean="0"/>
-              <a:t>‹#›</a:t>
             </a:fld>
             <a:endParaRPr lang="zh-CN" altLang="en-US"/>
           </a:p>
         </p:txBody>
       </p:sp>
     </p:spTree>
-    <p:extLst>
-      <p:ext uri="{BB962C8B-B14F-4D97-AF65-F5344CB8AC3E}">
-        <p14:creationId xmlns:p14="http://schemas.microsoft.com/office/powerpoint/2010/main" val="1686540860"/>
-      </p:ext>
-    </p:extLst>
   </p:cSld>
   <p:clrMapOvr>
     <a:masterClrMapping/>
@@ -1784,6 +1762,7 @@
               <a:rPr lang="zh-CN" altLang="en-US"/>
               <a:t>单击此处编辑母版标题样式</a:t>
             </a:r>
+            <a:endParaRPr lang="zh-CN" altLang="en-US"/>
           </a:p>
         </p:txBody>
       </p:sp>
@@ -1849,6 +1828,7 @@
               <a:rPr lang="zh-CN" altLang="en-US"/>
               <a:t>单击此处编辑母版文本样式</a:t>
             </a:r>
+            <a:endParaRPr lang="zh-CN" altLang="en-US"/>
           </a:p>
         </p:txBody>
       </p:sp>
@@ -1877,6 +1857,7 @@
               <a:rPr lang="zh-CN" altLang="en-US"/>
               <a:t>单击此处编辑母版文本样式</a:t>
             </a:r>
+            <a:endParaRPr lang="zh-CN" altLang="en-US"/>
           </a:p>
           <a:p>
             <a:pPr lvl="1"/>
@@ -1884,6 +1865,7 @@
               <a:rPr lang="zh-CN" altLang="en-US"/>
               <a:t>第二级</a:t>
             </a:r>
+            <a:endParaRPr lang="zh-CN" altLang="en-US"/>
           </a:p>
           <a:p>
             <a:pPr lvl="2"/>
@@ -1891,6 +1873,7 @@
               <a:rPr lang="zh-CN" altLang="en-US"/>
               <a:t>第三级</a:t>
             </a:r>
+            <a:endParaRPr lang="zh-CN" altLang="en-US"/>
           </a:p>
           <a:p>
             <a:pPr lvl="3"/>
@@ -1898,6 +1881,7 @@
               <a:rPr lang="zh-CN" altLang="en-US"/>
               <a:t>第四级</a:t>
             </a:r>
+            <a:endParaRPr lang="zh-CN" altLang="en-US"/>
           </a:p>
           <a:p>
             <a:pPr lvl="4"/>
@@ -1905,6 +1889,7 @@
               <a:rPr lang="zh-CN" altLang="en-US"/>
               <a:t>第五级</a:t>
             </a:r>
+            <a:endParaRPr lang="zh-CN" altLang="en-US"/>
           </a:p>
         </p:txBody>
       </p:sp>
@@ -1970,6 +1955,7 @@
               <a:rPr lang="zh-CN" altLang="en-US"/>
               <a:t>单击此处编辑母版文本样式</a:t>
             </a:r>
+            <a:endParaRPr lang="zh-CN" altLang="en-US"/>
           </a:p>
         </p:txBody>
       </p:sp>
@@ -1998,6 +1984,7 @@
               <a:rPr lang="zh-CN" altLang="en-US"/>
               <a:t>单击此处编辑母版文本样式</a:t>
             </a:r>
+            <a:endParaRPr lang="zh-CN" altLang="en-US"/>
           </a:p>
           <a:p>
             <a:pPr lvl="1"/>
@@ -2005,6 +1992,7 @@
               <a:rPr lang="zh-CN" altLang="en-US"/>
               <a:t>第二级</a:t>
             </a:r>
+            <a:endParaRPr lang="zh-CN" altLang="en-US"/>
           </a:p>
           <a:p>
             <a:pPr lvl="2"/>
@@ -2012,6 +2000,7 @@
               <a:rPr lang="zh-CN" altLang="en-US"/>
               <a:t>第三级</a:t>
             </a:r>
+            <a:endParaRPr lang="zh-CN" altLang="en-US"/>
           </a:p>
           <a:p>
             <a:pPr lvl="3"/>
@@ -2019,6 +2008,7 @@
               <a:rPr lang="zh-CN" altLang="en-US"/>
               <a:t>第四级</a:t>
             </a:r>
+            <a:endParaRPr lang="zh-CN" altLang="en-US"/>
           </a:p>
           <a:p>
             <a:pPr lvl="4"/>
@@ -2026,6 +2016,7 @@
               <a:rPr lang="zh-CN" altLang="en-US"/>
               <a:t>第五级</a:t>
             </a:r>
+            <a:endParaRPr lang="zh-CN" altLang="en-US"/>
           </a:p>
         </p:txBody>
       </p:sp>
@@ -2046,7 +2037,6 @@
           <a:p>
             <a:fld id="{0BC90807-C457-4FF9-BE83-47C3092CF338}" type="datetimeFigureOut">
               <a:rPr lang="zh-CN" altLang="en-US" smtClean="0"/>
-              <a:t>2020/7/23</a:t>
             </a:fld>
             <a:endParaRPr lang="zh-CN" altLang="en-US"/>
           </a:p>
@@ -2088,18 +2078,12 @@
           <a:p>
             <a:fld id="{95E117CB-DFA4-4A10-A82A-D639EBF773AF}" type="slidenum">
               <a:rPr lang="zh-CN" altLang="en-US" smtClean="0"/>
-              <a:t>‹#›</a:t>
             </a:fld>
             <a:endParaRPr lang="zh-CN" altLang="en-US"/>
           </a:p>
         </p:txBody>
       </p:sp>
     </p:spTree>
-    <p:extLst>
-      <p:ext uri="{BB962C8B-B14F-4D97-AF65-F5344CB8AC3E}">
-        <p14:creationId xmlns:p14="http://schemas.microsoft.com/office/powerpoint/2010/main" val="2903868800"/>
-      </p:ext>
-    </p:extLst>
   </p:cSld>
   <p:clrMapOvr>
     <a:masterClrMapping/>
@@ -2143,6 +2127,7 @@
               <a:rPr lang="zh-CN" altLang="en-US"/>
               <a:t>单击此处编辑母版标题样式</a:t>
             </a:r>
+            <a:endParaRPr lang="zh-CN" altLang="en-US"/>
           </a:p>
         </p:txBody>
       </p:sp>
@@ -2163,7 +2148,6 @@
           <a:p>
             <a:fld id="{0BC90807-C457-4FF9-BE83-47C3092CF338}" type="datetimeFigureOut">
               <a:rPr lang="zh-CN" altLang="en-US" smtClean="0"/>
-              <a:t>2020/7/23</a:t>
             </a:fld>
             <a:endParaRPr lang="zh-CN" altLang="en-US"/>
           </a:p>
@@ -2205,18 +2189,12 @@
           <a:p>
             <a:fld id="{95E117CB-DFA4-4A10-A82A-D639EBF773AF}" type="slidenum">
               <a:rPr lang="zh-CN" altLang="en-US" smtClean="0"/>
-              <a:t>‹#›</a:t>
             </a:fld>
             <a:endParaRPr lang="zh-CN" altLang="en-US"/>
           </a:p>
         </p:txBody>
       </p:sp>
     </p:spTree>
-    <p:extLst>
-      <p:ext uri="{BB962C8B-B14F-4D97-AF65-F5344CB8AC3E}">
-        <p14:creationId xmlns:p14="http://schemas.microsoft.com/office/powerpoint/2010/main" val="1155399037"/>
-      </p:ext>
-    </p:extLst>
   </p:cSld>
   <p:clrMapOvr>
     <a:masterClrMapping/>
@@ -2258,7 +2236,6 @@
           <a:p>
             <a:fld id="{0BC90807-C457-4FF9-BE83-47C3092CF338}" type="datetimeFigureOut">
               <a:rPr lang="zh-CN" altLang="en-US" smtClean="0"/>
-              <a:t>2020/7/23</a:t>
             </a:fld>
             <a:endParaRPr lang="zh-CN" altLang="en-US"/>
           </a:p>
@@ -2300,18 +2277,12 @@
           <a:p>
             <a:fld id="{95E117CB-DFA4-4A10-A82A-D639EBF773AF}" type="slidenum">
               <a:rPr lang="zh-CN" altLang="en-US" smtClean="0"/>
-              <a:t>‹#›</a:t>
             </a:fld>
             <a:endParaRPr lang="zh-CN" altLang="en-US"/>
           </a:p>
         </p:txBody>
       </p:sp>
     </p:spTree>
-    <p:extLst>
-      <p:ext uri="{BB962C8B-B14F-4D97-AF65-F5344CB8AC3E}">
-        <p14:creationId xmlns:p14="http://schemas.microsoft.com/office/powerpoint/2010/main" val="3271509079"/>
-      </p:ext>
-    </p:extLst>
   </p:cSld>
   <p:clrMapOvr>
     <a:masterClrMapping/>
@@ -2364,6 +2335,7 @@
               <a:rPr lang="zh-CN" altLang="en-US"/>
               <a:t>单击此处编辑母版标题样式</a:t>
             </a:r>
+            <a:endParaRPr lang="zh-CN" altLang="en-US"/>
           </a:p>
         </p:txBody>
       </p:sp>
@@ -2420,6 +2392,7 @@
               <a:rPr lang="zh-CN" altLang="en-US"/>
               <a:t>单击此处编辑母版文本样式</a:t>
             </a:r>
+            <a:endParaRPr lang="zh-CN" altLang="en-US"/>
           </a:p>
           <a:p>
             <a:pPr lvl="1"/>
@@ -2427,6 +2400,7 @@
               <a:rPr lang="zh-CN" altLang="en-US"/>
               <a:t>第二级</a:t>
             </a:r>
+            <a:endParaRPr lang="zh-CN" altLang="en-US"/>
           </a:p>
           <a:p>
             <a:pPr lvl="2"/>
@@ -2434,6 +2408,7 @@
               <a:rPr lang="zh-CN" altLang="en-US"/>
               <a:t>第三级</a:t>
             </a:r>
+            <a:endParaRPr lang="zh-CN" altLang="en-US"/>
           </a:p>
           <a:p>
             <a:pPr lvl="3"/>
@@ -2441,6 +2416,7 @@
               <a:rPr lang="zh-CN" altLang="en-US"/>
               <a:t>第四级</a:t>
             </a:r>
+            <a:endParaRPr lang="zh-CN" altLang="en-US"/>
           </a:p>
           <a:p>
             <a:pPr lvl="4"/>
@@ -2448,6 +2424,7 @@
               <a:rPr lang="zh-CN" altLang="en-US"/>
               <a:t>第五级</a:t>
             </a:r>
+            <a:endParaRPr lang="zh-CN" altLang="en-US"/>
           </a:p>
         </p:txBody>
       </p:sp>
@@ -2513,6 +2490,7 @@
               <a:rPr lang="zh-CN" altLang="en-US"/>
               <a:t>单击此处编辑母版文本样式</a:t>
             </a:r>
+            <a:endParaRPr lang="zh-CN" altLang="en-US"/>
           </a:p>
         </p:txBody>
       </p:sp>
@@ -2533,7 +2511,6 @@
           <a:p>
             <a:fld id="{0BC90807-C457-4FF9-BE83-47C3092CF338}" type="datetimeFigureOut">
               <a:rPr lang="zh-CN" altLang="en-US" smtClean="0"/>
-              <a:t>2020/7/23</a:t>
             </a:fld>
             <a:endParaRPr lang="zh-CN" altLang="en-US"/>
           </a:p>
@@ -2575,18 +2552,12 @@
           <a:p>
             <a:fld id="{95E117CB-DFA4-4A10-A82A-D639EBF773AF}" type="slidenum">
               <a:rPr lang="zh-CN" altLang="en-US" smtClean="0"/>
-              <a:t>‹#›</a:t>
             </a:fld>
             <a:endParaRPr lang="zh-CN" altLang="en-US"/>
           </a:p>
         </p:txBody>
       </p:sp>
     </p:spTree>
-    <p:extLst>
-      <p:ext uri="{BB962C8B-B14F-4D97-AF65-F5344CB8AC3E}">
-        <p14:creationId xmlns:p14="http://schemas.microsoft.com/office/powerpoint/2010/main" val="1355932512"/>
-      </p:ext>
-    </p:extLst>
   </p:cSld>
   <p:clrMapOvr>
     <a:masterClrMapping/>
@@ -2639,6 +2610,7 @@
               <a:rPr lang="zh-CN" altLang="en-US"/>
               <a:t>单击此处编辑母版标题样式</a:t>
             </a:r>
+            <a:endParaRPr lang="zh-CN" altLang="en-US"/>
           </a:p>
         </p:txBody>
       </p:sp>
@@ -2765,6 +2737,7 @@
               <a:rPr lang="zh-CN" altLang="en-US"/>
               <a:t>单击此处编辑母版文本样式</a:t>
             </a:r>
+            <a:endParaRPr lang="zh-CN" altLang="en-US"/>
           </a:p>
         </p:txBody>
       </p:sp>
@@ -2785,7 +2758,6 @@
           <a:p>
             <a:fld id="{0BC90807-C457-4FF9-BE83-47C3092CF338}" type="datetimeFigureOut">
               <a:rPr lang="zh-CN" altLang="en-US" smtClean="0"/>
-              <a:t>2020/7/23</a:t>
             </a:fld>
             <a:endParaRPr lang="zh-CN" altLang="en-US"/>
           </a:p>
@@ -2827,18 +2799,12 @@
           <a:p>
             <a:fld id="{95E117CB-DFA4-4A10-A82A-D639EBF773AF}" type="slidenum">
               <a:rPr lang="zh-CN" altLang="en-US" smtClean="0"/>
-              <a:t>‹#›</a:t>
             </a:fld>
             <a:endParaRPr lang="zh-CN" altLang="en-US"/>
           </a:p>
         </p:txBody>
       </p:sp>
     </p:spTree>
-    <p:extLst>
-      <p:ext uri="{BB962C8B-B14F-4D97-AF65-F5344CB8AC3E}">
-        <p14:creationId xmlns:p14="http://schemas.microsoft.com/office/powerpoint/2010/main" val="4155403854"/>
-      </p:ext>
-    </p:extLst>
   </p:cSld>
   <p:clrMapOvr>
     <a:masterClrMapping/>
@@ -2897,6 +2863,7 @@
               <a:rPr lang="zh-CN" altLang="en-US"/>
               <a:t>单击此处编辑母版标题样式</a:t>
             </a:r>
+            <a:endParaRPr lang="zh-CN" altLang="en-US"/>
           </a:p>
         </p:txBody>
       </p:sp>
@@ -2930,6 +2897,7 @@
               <a:rPr lang="zh-CN" altLang="en-US"/>
               <a:t>单击此处编辑母版文本样式</a:t>
             </a:r>
+            <a:endParaRPr lang="zh-CN" altLang="en-US"/>
           </a:p>
           <a:p>
             <a:pPr lvl="1"/>
@@ -2937,6 +2905,7 @@
               <a:rPr lang="zh-CN" altLang="en-US"/>
               <a:t>第二级</a:t>
             </a:r>
+            <a:endParaRPr lang="zh-CN" altLang="en-US"/>
           </a:p>
           <a:p>
             <a:pPr lvl="2"/>
@@ -2944,6 +2913,7 @@
               <a:rPr lang="zh-CN" altLang="en-US"/>
               <a:t>第三级</a:t>
             </a:r>
+            <a:endParaRPr lang="zh-CN" altLang="en-US"/>
           </a:p>
           <a:p>
             <a:pPr lvl="3"/>
@@ -2951,6 +2921,7 @@
               <a:rPr lang="zh-CN" altLang="en-US"/>
               <a:t>第四级</a:t>
             </a:r>
+            <a:endParaRPr lang="zh-CN" altLang="en-US"/>
           </a:p>
           <a:p>
             <a:pPr lvl="4"/>
@@ -2958,6 +2929,7 @@
               <a:rPr lang="zh-CN" altLang="en-US"/>
               <a:t>第五级</a:t>
             </a:r>
+            <a:endParaRPr lang="zh-CN" altLang="en-US"/>
           </a:p>
         </p:txBody>
       </p:sp>
@@ -2996,7 +2968,6 @@
           <a:p>
             <a:fld id="{0BC90807-C457-4FF9-BE83-47C3092CF338}" type="datetimeFigureOut">
               <a:rPr lang="zh-CN" altLang="en-US" smtClean="0"/>
-              <a:t>2020/7/23</a:t>
             </a:fld>
             <a:endParaRPr lang="zh-CN" altLang="en-US"/>
           </a:p>
@@ -3074,18 +3045,12 @@
           <a:p>
             <a:fld id="{95E117CB-DFA4-4A10-A82A-D639EBF773AF}" type="slidenum">
               <a:rPr lang="zh-CN" altLang="en-US" smtClean="0"/>
-              <a:t>‹#›</a:t>
             </a:fld>
             <a:endParaRPr lang="zh-CN" altLang="en-US"/>
           </a:p>
         </p:txBody>
       </p:sp>
     </p:spTree>
-    <p:extLst>
-      <p:ext uri="{BB962C8B-B14F-4D97-AF65-F5344CB8AC3E}">
-        <p14:creationId xmlns:p14="http://schemas.microsoft.com/office/powerpoint/2010/main" val="791645532"/>
-      </p:ext>
-    </p:extLst>
   </p:cSld>
   <p:clrMap bg1="lt1" tx1="dk1" bg2="lt2" tx2="dk2" accent1="accent1" accent2="accent2" accent3="accent3" accent4="accent4" accent5="accent5" accent6="accent6" hlink="hlink" folHlink="folHlink"/>
   <p:sldLayoutIdLst>
@@ -3424,6 +3389,11 @@
               </a:rPr>
               <a:t>察 传</a:t>
             </a:r>
+            <a:endParaRPr lang="zh-CN" altLang="en-US" b="1" dirty="0">
+              <a:solidFill>
+                <a:srgbClr val="FF0000"/>
+              </a:solidFill>
+            </a:endParaRPr>
           </a:p>
         </p:txBody>
       </p:sp>
@@ -3465,11 +3435,6 @@
         </p:txBody>
       </p:sp>
     </p:spTree>
-    <p:extLst>
-      <p:ext uri="{BB962C8B-B14F-4D97-AF65-F5344CB8AC3E}">
-        <p14:creationId xmlns:p14="http://schemas.microsoft.com/office/powerpoint/2010/main" val="2402147802"/>
-      </p:ext>
-    </p:extLst>
   </p:cSld>
   <p:clrMapOvr>
     <a:masterClrMapping/>
@@ -3600,6 +3565,7 @@
               <a:rPr lang="zh-CN" altLang="zh-CN" sz="2400" dirty="0"/>
               <a:t>，不审也，故国亡身死也。</a:t>
             </a:r>
+            <a:endParaRPr lang="zh-CN" altLang="zh-CN" sz="2400" dirty="0"/>
           </a:p>
           <a:p>
             <a:pPr marL="0" indent="0">
@@ -3878,11 +3844,6 @@
         </p:txBody>
       </p:sp>
     </p:spTree>
-    <p:extLst>
-      <p:ext uri="{BB962C8B-B14F-4D97-AF65-F5344CB8AC3E}">
-        <p14:creationId xmlns:p14="http://schemas.microsoft.com/office/powerpoint/2010/main" val="1985519337"/>
-      </p:ext>
-    </p:extLst>
   </p:cSld>
   <p:clrMapOvr>
     <a:masterClrMapping/>
@@ -3942,15 +3903,15 @@
               </a:rPr>
               <a:t>段二，从正反两面列举史实，对比阐明审察的重要意义。</a:t>
             </a:r>
+            <a:endParaRPr lang="zh-CN" altLang="en-US" sz="4000" b="1" dirty="0">
+              <a:solidFill>
+                <a:srgbClr val="FF0000"/>
+              </a:solidFill>
+            </a:endParaRPr>
           </a:p>
         </p:txBody>
       </p:sp>
     </p:spTree>
-    <p:extLst>
-      <p:ext uri="{BB962C8B-B14F-4D97-AF65-F5344CB8AC3E}">
-        <p14:creationId xmlns:p14="http://schemas.microsoft.com/office/powerpoint/2010/main" val="1058094286"/>
-      </p:ext>
-    </p:extLst>
   </p:cSld>
   <p:clrMapOvr>
     <a:masterClrMapping/>
@@ -4236,13 +4197,7 @@
       </p:sp>
       <p:sp>
         <p:nvSpPr>
-          <p:cNvPr id="2" name="矩形 1">
-            <a:extLst>
-              <a:ext uri="{FF2B5EF4-FFF2-40B4-BE49-F238E27FC236}">
-                <a16:creationId xmlns:a16="http://schemas.microsoft.com/office/drawing/2014/main" id="{F1FB85ED-9622-4B51-8DCE-014977A9750F}"/>
-              </a:ext>
-            </a:extLst>
-          </p:cNvPr>
+          <p:cNvPr id="2" name="矩形 1"/>
           <p:cNvSpPr/>
           <p:nvPr/>
         </p:nvSpPr>
@@ -4552,7 +4507,7 @@
             </a:r>
             <a:r>
               <a:rPr lang="en-US" altLang="zh-CN" sz="2000" dirty="0" err="1">
-                <a:hlinkClick r:id="rId2"/>
+                <a:hlinkClick r:id="rId1"/>
               </a:rPr>
               <a:t>鲁哀公</a:t>
             </a:r>
@@ -4612,11 +4567,6 @@
         </p:txBody>
       </p:sp>
     </p:spTree>
-    <p:extLst>
-      <p:ext uri="{BB962C8B-B14F-4D97-AF65-F5344CB8AC3E}">
-        <p14:creationId xmlns:p14="http://schemas.microsoft.com/office/powerpoint/2010/main" val="2080848441"/>
-      </p:ext>
-    </p:extLst>
   </p:cSld>
   <p:clrMapOvr>
     <a:masterClrMapping/>
@@ -4775,13 +4725,7 @@
       </p:sp>
       <p:sp>
         <p:nvSpPr>
-          <p:cNvPr id="2" name="矩形 1">
-            <a:extLst>
-              <a:ext uri="{FF2B5EF4-FFF2-40B4-BE49-F238E27FC236}">
-                <a16:creationId xmlns:a16="http://schemas.microsoft.com/office/drawing/2014/main" id="{F1FB85ED-9622-4B51-8DCE-014977A9750F}"/>
-              </a:ext>
-            </a:extLst>
-          </p:cNvPr>
+          <p:cNvPr id="2" name="矩形 1"/>
           <p:cNvSpPr/>
           <p:nvPr/>
         </p:nvSpPr>
@@ -5003,15 +4947,11 @@
               <a:rPr lang="en-US" altLang="zh-CN" sz="2000" dirty="0"/>
               <a:t>”</a:t>
             </a:r>
+            <a:endParaRPr lang="en-US" altLang="zh-CN" sz="2000" dirty="0"/>
           </a:p>
         </p:txBody>
       </p:sp>
     </p:spTree>
-    <p:extLst>
-      <p:ext uri="{BB962C8B-B14F-4D97-AF65-F5344CB8AC3E}">
-        <p14:creationId xmlns:p14="http://schemas.microsoft.com/office/powerpoint/2010/main" val="1394669850"/>
-      </p:ext>
-    </p:extLst>
   </p:cSld>
   <p:clrMapOvr>
     <a:masterClrMapping/>
@@ -5215,13 +5155,7 @@
       </p:sp>
       <p:sp>
         <p:nvSpPr>
-          <p:cNvPr id="2" name="矩形 1">
-            <a:extLst>
-              <a:ext uri="{FF2B5EF4-FFF2-40B4-BE49-F238E27FC236}">
-                <a16:creationId xmlns:a16="http://schemas.microsoft.com/office/drawing/2014/main" id="{BF4EF8C9-384D-4CF2-A04E-A5F99BADCC90}"/>
-              </a:ext>
-            </a:extLst>
-          </p:cNvPr>
+          <p:cNvPr id="2" name="矩形 1"/>
           <p:cNvSpPr/>
           <p:nvPr/>
         </p:nvSpPr>
@@ -5257,6 +5191,7 @@
               <a:rPr lang="en-US" altLang="zh-CN" sz="2000" dirty="0"/>
               <a:t>】</a:t>
             </a:r>
+            <a:endParaRPr lang="en-US" altLang="zh-CN" sz="2000" dirty="0"/>
           </a:p>
           <a:p>
             <a:pPr>
@@ -5579,6 +5514,7 @@
               <a:rPr lang="zh-CN" altLang="zh-CN" sz="2000" dirty="0"/>
               <a:t>国君。</a:t>
             </a:r>
+            <a:endParaRPr lang="zh-CN" altLang="zh-CN" sz="2000" dirty="0"/>
           </a:p>
           <a:p>
             <a:pPr>
@@ -5795,11 +5731,6 @@
         </p:txBody>
       </p:sp>
     </p:spTree>
-    <p:extLst>
-      <p:ext uri="{BB962C8B-B14F-4D97-AF65-F5344CB8AC3E}">
-        <p14:creationId xmlns:p14="http://schemas.microsoft.com/office/powerpoint/2010/main" val="3756316818"/>
-      </p:ext>
-    </p:extLst>
   </p:cSld>
   <p:clrMapOvr>
     <a:masterClrMapping/>
@@ -5958,6 +5889,7 @@
               <a:rPr lang="zh-CN" altLang="zh-CN" sz="2400" dirty="0"/>
               <a:t>晋而问之，则曰，晋师己亥涉河也。</a:t>
             </a:r>
+            <a:endParaRPr lang="zh-CN" altLang="zh-CN" sz="2400" dirty="0"/>
           </a:p>
           <a:p>
             <a:endParaRPr lang="zh-CN" altLang="en-US" dirty="0"/>
@@ -5966,13 +5898,7 @@
       </p:sp>
       <p:sp>
         <p:nvSpPr>
-          <p:cNvPr id="2" name="文本框 1">
-            <a:extLst>
-              <a:ext uri="{FF2B5EF4-FFF2-40B4-BE49-F238E27FC236}">
-                <a16:creationId xmlns:a16="http://schemas.microsoft.com/office/drawing/2014/main" id="{A1A61C70-7E6D-4159-8580-9D436B0EAA41}"/>
-              </a:ext>
-            </a:extLst>
-          </p:cNvPr>
+          <p:cNvPr id="2" name="文本框 1"/>
           <p:cNvSpPr txBox="1"/>
           <p:nvPr/>
         </p:nvSpPr>
@@ -6125,6 +6051,7 @@
               <a:rPr lang="en-US" altLang="zh-CN" sz="2000" dirty="0"/>
               <a:t>】</a:t>
             </a:r>
+            <a:endParaRPr lang="en-US" altLang="zh-CN" sz="2000" dirty="0"/>
           </a:p>
           <a:p>
             <a:pPr>
@@ -6232,6 +6159,7 @@
               <a:rPr lang="zh-CN" altLang="zh-CN" sz="2000" dirty="0"/>
               <a:t>到了晋国探问此事，果然是说，晋国军队在己亥那天渡过黄河。</a:t>
             </a:r>
+            <a:endParaRPr lang="zh-CN" altLang="zh-CN" sz="2000" dirty="0"/>
           </a:p>
           <a:p>
             <a:endParaRPr lang="zh-CN" altLang="en-US" dirty="0"/>
@@ -6239,11 +6167,6 @@
         </p:txBody>
       </p:sp>
     </p:spTree>
-    <p:extLst>
-      <p:ext uri="{BB962C8B-B14F-4D97-AF65-F5344CB8AC3E}">
-        <p14:creationId xmlns:p14="http://schemas.microsoft.com/office/powerpoint/2010/main" val="3347287558"/>
-      </p:ext>
-    </p:extLst>
   </p:cSld>
   <p:clrMapOvr>
     <a:masterClrMapping/>
@@ -6303,15 +6226,15 @@
               </a:rPr>
               <a:t>段三，连举三例、说明传言易错，“闻言必熟论”“验之以理”，以分清其是非。</a:t>
             </a:r>
+            <a:endParaRPr lang="zh-CN" altLang="en-US" sz="3600" b="1" dirty="0">
+              <a:solidFill>
+                <a:srgbClr val="FF0000"/>
+              </a:solidFill>
+            </a:endParaRPr>
           </a:p>
         </p:txBody>
       </p:sp>
     </p:spTree>
-    <p:extLst>
-      <p:ext uri="{BB962C8B-B14F-4D97-AF65-F5344CB8AC3E}">
-        <p14:creationId xmlns:p14="http://schemas.microsoft.com/office/powerpoint/2010/main" val="2700202382"/>
-      </p:ext>
-    </p:extLst>
   </p:cSld>
   <p:clrMapOvr>
     <a:masterClrMapping/>
@@ -6610,6 +6533,11 @@
               </a:rPr>
               <a:t>言辞有很多似非而是，似是而非的。是非的界线，不可不分辨清楚，这是圣人需要特别慎重对待的问题。虽然这样，那么靠什么方法才能做到慎重呢？遵循着事物的规律和人的情理，用这种方法来审察所听到的传闻，就可以得到真实的情况了。</a:t>
             </a:r>
+            <a:endParaRPr lang="zh-CN" altLang="zh-CN" sz="2400" b="1" u="sng" dirty="0">
+              <a:solidFill>
+                <a:srgbClr val="FF0000"/>
+              </a:solidFill>
+            </a:endParaRPr>
           </a:p>
           <a:p>
             <a:endParaRPr lang="zh-CN" altLang="en-US" dirty="0"/>
@@ -6617,11 +6545,6 @@
         </p:txBody>
       </p:sp>
     </p:spTree>
-    <p:extLst>
-      <p:ext uri="{BB962C8B-B14F-4D97-AF65-F5344CB8AC3E}">
-        <p14:creationId xmlns:p14="http://schemas.microsoft.com/office/powerpoint/2010/main" val="994157718"/>
-      </p:ext>
-    </p:extLst>
   </p:cSld>
   <p:clrMapOvr>
     <a:masterClrMapping/>
@@ -6681,15 +6604,15 @@
               </a:rPr>
               <a:t>段四，说明传言“多类是而非”，必须根据事理人情来进行审察，才能得其实情，明辨是非，总结全文。</a:t>
             </a:r>
+            <a:endParaRPr lang="zh-CN" altLang="en-US" sz="3600" dirty="0">
+              <a:solidFill>
+                <a:srgbClr val="FF0000"/>
+              </a:solidFill>
+            </a:endParaRPr>
           </a:p>
         </p:txBody>
       </p:sp>
     </p:spTree>
-    <p:extLst>
-      <p:ext uri="{BB962C8B-B14F-4D97-AF65-F5344CB8AC3E}">
-        <p14:creationId xmlns:p14="http://schemas.microsoft.com/office/powerpoint/2010/main" val="2626566871"/>
-      </p:ext>
-    </p:extLst>
   </p:cSld>
   <p:clrMapOvr>
     <a:masterClrMapping/>
@@ -6716,13 +6639,7 @@
       </p:grpSpPr>
       <p:sp>
         <p:nvSpPr>
-          <p:cNvPr id="3" name="内容占位符 2">
-            <a:extLst>
-              <a:ext uri="{FF2B5EF4-FFF2-40B4-BE49-F238E27FC236}">
-                <a16:creationId xmlns:a16="http://schemas.microsoft.com/office/drawing/2014/main" id="{9F3B187B-FFE7-4FE0-8D8E-143F4DE2EF7F}"/>
-              </a:ext>
-            </a:extLst>
-          </p:cNvPr>
+          <p:cNvPr id="3" name="内容占位符 2"/>
           <p:cNvSpPr>
             <a:spLocks noGrp="1"/>
           </p:cNvSpPr>
@@ -6836,6 +6753,11 @@
               </a:rPr>
               <a:t>》</a:t>
             </a:r>
+            <a:endParaRPr lang="en-US" altLang="zh-CN" b="1" dirty="0">
+              <a:solidFill>
+                <a:srgbClr val="FF0000"/>
+              </a:solidFill>
+            </a:endParaRPr>
           </a:p>
           <a:p>
             <a:pPr marL="0" indent="0">
@@ -6950,6 +6872,7 @@
               <a:rPr lang="zh-CN" altLang="en-US" dirty="0"/>
               <a:t>内容从开天辟地说起，一直说到做人务本之道、治国之道以及如何认识分辨事物、如何用民为君等。知识范围涉及阴阳、五行、干支、军事、政治、农业生产、自然、历史、地理等多个方面。</a:t>
             </a:r>
+            <a:endParaRPr lang="zh-CN" altLang="en-US" dirty="0"/>
           </a:p>
           <a:p>
             <a:pPr marL="0" indent="0">
@@ -6966,11 +6889,6 @@
         </p:txBody>
       </p:sp>
     </p:spTree>
-    <p:extLst>
-      <p:ext uri="{BB962C8B-B14F-4D97-AF65-F5344CB8AC3E}">
-        <p14:creationId xmlns:p14="http://schemas.microsoft.com/office/powerpoint/2010/main" val="119739368"/>
-      </p:ext>
-    </p:extLst>
   </p:cSld>
   <p:clrMapOvr>
     <a:masterClrMapping/>
@@ -6997,13 +6915,7 @@
       </p:grpSpPr>
       <p:sp>
         <p:nvSpPr>
-          <p:cNvPr id="3" name="内容占位符 2">
-            <a:extLst>
-              <a:ext uri="{FF2B5EF4-FFF2-40B4-BE49-F238E27FC236}">
-                <a16:creationId xmlns:a16="http://schemas.microsoft.com/office/drawing/2014/main" id="{9F3B187B-FFE7-4FE0-8D8E-143F4DE2EF7F}"/>
-              </a:ext>
-            </a:extLst>
-          </p:cNvPr>
+          <p:cNvPr id="3" name="内容占位符 2"/>
           <p:cNvSpPr>
             <a:spLocks noGrp="1"/>
           </p:cNvSpPr>
@@ -7156,11 +7068,6 @@
         </p:txBody>
       </p:sp>
     </p:spTree>
-    <p:extLst>
-      <p:ext uri="{BB962C8B-B14F-4D97-AF65-F5344CB8AC3E}">
-        <p14:creationId xmlns:p14="http://schemas.microsoft.com/office/powerpoint/2010/main" val="2858315819"/>
-      </p:ext>
-    </p:extLst>
   </p:cSld>
   <p:clrMapOvr>
     <a:masterClrMapping/>
@@ -7212,6 +7119,7 @@
               <a:rPr lang="zh-CN" altLang="en-US" sz="3600" b="1" dirty="0"/>
               <a:t>察传</a:t>
             </a:r>
+            <a:endParaRPr lang="zh-CN" altLang="en-US" sz="3600" b="1" dirty="0"/>
           </a:p>
         </p:txBody>
       </p:sp>
@@ -7310,15 +7218,11 @@
               <a:rPr lang="zh-CN" altLang="zh-CN" sz="2400" b="1" dirty="0"/>
               <a:t>，不审也，故国亡身死也。</a:t>
             </a:r>
+            <a:endParaRPr lang="zh-CN" altLang="zh-CN" sz="2400" b="1" dirty="0"/>
           </a:p>
         </p:txBody>
       </p:sp>
     </p:spTree>
-    <p:extLst>
-      <p:ext uri="{BB962C8B-B14F-4D97-AF65-F5344CB8AC3E}">
-        <p14:creationId xmlns:p14="http://schemas.microsoft.com/office/powerpoint/2010/main" val="3691270601"/>
-      </p:ext>
-    </p:extLst>
   </p:cSld>
   <p:clrMapOvr>
     <a:masterClrMapping/>
@@ -7370,6 +7274,7 @@
               <a:rPr lang="zh-CN" altLang="en-US" sz="3600" b="1" dirty="0"/>
               <a:t>察传</a:t>
             </a:r>
+            <a:endParaRPr lang="zh-CN" altLang="en-US" sz="3600" b="1" dirty="0"/>
           </a:p>
         </p:txBody>
       </p:sp>
@@ -7382,7 +7287,7 @@
         <p:spPr>
           <a:xfrm>
             <a:off x="223520" y="999471"/>
-            <a:ext cx="11744960" cy="4209999"/>
+            <a:ext cx="11744960" cy="4276725"/>
           </a:xfrm>
           <a:prstGeom prst="rect">
             <a:avLst/>
@@ -7450,7 +7355,7 @@
             </a:r>
             <a:r>
               <a:rPr lang="en-US" altLang="zh-CN" sz="2000" b="1" dirty="0"/>
-              <a:t>“</a:t>
+              <a:t>‘</a:t>
             </a:r>
             <a:r>
               <a:rPr lang="zh-CN" altLang="zh-CN" sz="2000" b="1" dirty="0"/>
@@ -7628,15 +7533,11 @@
               <a:rPr lang="zh-CN" altLang="zh-CN" sz="2000" b="1" dirty="0"/>
               <a:t>至于晋而问之，则曰，晋师己亥涉河也。</a:t>
             </a:r>
+            <a:endParaRPr lang="en-US" altLang="zh-CN" sz="2000" b="1" dirty="0"/>
           </a:p>
         </p:txBody>
       </p:sp>
     </p:spTree>
-    <p:extLst>
-      <p:ext uri="{BB962C8B-B14F-4D97-AF65-F5344CB8AC3E}">
-        <p14:creationId xmlns:p14="http://schemas.microsoft.com/office/powerpoint/2010/main" val="679615123"/>
-      </p:ext>
-    </p:extLst>
   </p:cSld>
   <p:clrMapOvr>
     <a:masterClrMapping/>
@@ -7688,6 +7589,7 @@
               <a:rPr lang="zh-CN" altLang="en-US" sz="3600" b="1" dirty="0"/>
               <a:t>察传</a:t>
             </a:r>
+            <a:endParaRPr lang="zh-CN" altLang="en-US" sz="3600" b="1" dirty="0"/>
           </a:p>
         </p:txBody>
       </p:sp>
@@ -7739,11 +7641,6 @@
         </p:txBody>
       </p:sp>
     </p:spTree>
-    <p:extLst>
-      <p:ext uri="{BB962C8B-B14F-4D97-AF65-F5344CB8AC3E}">
-        <p14:creationId xmlns:p14="http://schemas.microsoft.com/office/powerpoint/2010/main" val="1988648164"/>
-      </p:ext>
-    </p:extLst>
   </p:cSld>
   <p:clrMapOvr>
     <a:masterClrMapping/>
@@ -7809,6 +7706,11 @@
               </a:rPr>
               <a:t>）</a:t>
             </a:r>
+            <a:endParaRPr lang="zh-CN" altLang="en-US" sz="5400" b="1" dirty="0">
+              <a:solidFill>
+                <a:srgbClr val="FF0000"/>
+              </a:solidFill>
+            </a:endParaRPr>
           </a:p>
         </p:txBody>
       </p:sp>
@@ -7843,15 +7745,11 @@
               <a:rPr lang="zh-CN" altLang="en-US" sz="4000" dirty="0"/>
               <a:t>审察传言。对外界，社会上流传的各种言论要多加审查、仔细辨析。</a:t>
             </a:r>
+            <a:endParaRPr lang="zh-CN" altLang="en-US" sz="4000" dirty="0"/>
           </a:p>
         </p:txBody>
       </p:sp>
     </p:spTree>
-    <p:extLst>
-      <p:ext uri="{BB962C8B-B14F-4D97-AF65-F5344CB8AC3E}">
-        <p14:creationId xmlns:p14="http://schemas.microsoft.com/office/powerpoint/2010/main" val="516278444"/>
-      </p:ext>
-    </p:extLst>
   </p:cSld>
   <p:clrMapOvr>
     <a:masterClrMapping/>
@@ -7965,6 +7863,7 @@
               <a:rPr lang="zh-CN" altLang="en-US" dirty="0"/>
               <a:t>大过：过做动词；犯大错。</a:t>
             </a:r>
+            <a:endParaRPr lang="zh-CN" altLang="en-US" dirty="0"/>
           </a:p>
         </p:txBody>
       </p:sp>
@@ -8202,11 +8101,6 @@
         </p:txBody>
       </p:sp>
     </p:spTree>
-    <p:extLst>
-      <p:ext uri="{BB962C8B-B14F-4D97-AF65-F5344CB8AC3E}">
-        <p14:creationId xmlns:p14="http://schemas.microsoft.com/office/powerpoint/2010/main" val="223423343"/>
-      </p:ext>
-    </p:extLst>
   </p:cSld>
   <p:clrMapOvr>
     <a:masterClrMapping/>
@@ -8266,15 +8160,15 @@
               </a:rPr>
               <a:t>段一，亮出中心论点，传闻不可以不审察，否则就会犯下大错误</a:t>
             </a:r>
+            <a:endParaRPr lang="zh-CN" altLang="en-US" sz="3600" b="1" dirty="0">
+              <a:solidFill>
+                <a:srgbClr val="FF0000"/>
+              </a:solidFill>
+            </a:endParaRPr>
           </a:p>
         </p:txBody>
       </p:sp>
     </p:spTree>
-    <p:extLst>
-      <p:ext uri="{BB962C8B-B14F-4D97-AF65-F5344CB8AC3E}">
-        <p14:creationId xmlns:p14="http://schemas.microsoft.com/office/powerpoint/2010/main" val="2518267525"/>
-      </p:ext>
-    </p:extLst>
   </p:cSld>
   <p:clrMapOvr>
     <a:masterClrMapping/>
@@ -8325,7 +8219,7 @@
     </a:clrScheme>
     <a:fontScheme name="Office">
       <a:majorFont>
-        <a:latin typeface="Calibri Light" panose="020F0302020204030204"/>
+        <a:latin typeface="Calibri Light"/>
         <a:ea typeface=""/>
         <a:cs typeface=""/>
         <a:font script="Jpan" typeface="ＭＳ Ｐゴシック"/>
@@ -8360,7 +8254,7 @@
         <a:font script="Geor" typeface="Sylfaen"/>
       </a:majorFont>
       <a:minorFont>
-        <a:latin typeface="Calibri" panose="020F0502020204030204"/>
+        <a:latin typeface="Calibri"/>
         <a:ea typeface=""/>
         <a:cs typeface=""/>
         <a:font script="Jpan" typeface="ＭＳ Ｐゴシック"/>
@@ -8533,8 +8427,6 @@
       </a:bgFillStyleLst>
     </a:fmtScheme>
   </a:themeElements>
-  <a:objectDefaults/>
-  <a:extraClrSchemeLst/>
   <a:extLst>
     <a:ext uri="{05A4C25C-085E-4340-85A3-A5531E510DB2}">
       <thm15:themeFamily xmlns:thm15="http://schemas.microsoft.com/office/thememl/2012/main" name="Office Theme" id="{62F939B6-93AF-4DB8-9C6B-D6C7DFDC589F}" vid="{4A3C46E8-61CC-4603-A589-7422A47A8E4A}"/>
@@ -8586,7 +8478,7 @@
     </a:clrScheme>
     <a:fontScheme name="Office">
       <a:majorFont>
-        <a:latin typeface="等线 Light" panose="020F0302020204030204"/>
+        <a:latin typeface="等线 Light"/>
         <a:ea typeface=""/>
         <a:cs typeface=""/>
         <a:font script="Jpan" typeface="游ゴシック Light"/>
@@ -8619,26 +8511,9 @@
         <a:font script="Viet" typeface="Times New Roman"/>
         <a:font script="Uigh" typeface="Microsoft Uighur"/>
         <a:font script="Geor" typeface="Sylfaen"/>
-        <a:font script="Armn" typeface="Arial"/>
-        <a:font script="Bugi" typeface="Leelawadee UI"/>
-        <a:font script="Bopo" typeface="Microsoft JhengHei"/>
-        <a:font script="Java" typeface="Javanese Text"/>
-        <a:font script="Lisu" typeface="Segoe UI"/>
-        <a:font script="Mymr" typeface="Myanmar Text"/>
-        <a:font script="Nkoo" typeface="Ebrima"/>
-        <a:font script="Olck" typeface="Nirmala UI"/>
-        <a:font script="Osma" typeface="Ebrima"/>
-        <a:font script="Phag" typeface="Phagspa"/>
-        <a:font script="Syrn" typeface="Estrangelo Edessa"/>
-        <a:font script="Syrj" typeface="Estrangelo Edessa"/>
-        <a:font script="Syre" typeface="Estrangelo Edessa"/>
-        <a:font script="Sora" typeface="Nirmala UI"/>
-        <a:font script="Tale" typeface="Microsoft Tai Le"/>
-        <a:font script="Talu" typeface="Microsoft New Tai Lue"/>
-        <a:font script="Tfng" typeface="Ebrima"/>
       </a:majorFont>
       <a:minorFont>
-        <a:latin typeface="等线" panose="020F0502020204030204"/>
+        <a:latin typeface="等线"/>
         <a:ea typeface=""/>
         <a:cs typeface=""/>
         <a:font script="Jpan" typeface="游ゴシック"/>
@@ -8671,23 +8546,6 @@
         <a:font script="Viet" typeface="Arial"/>
         <a:font script="Uigh" typeface="Microsoft Uighur"/>
         <a:font script="Geor" typeface="Sylfaen"/>
-        <a:font script="Armn" typeface="Arial"/>
-        <a:font script="Bugi" typeface="Leelawadee UI"/>
-        <a:font script="Bopo" typeface="Microsoft JhengHei"/>
-        <a:font script="Java" typeface="Javanese Text"/>
-        <a:font script="Lisu" typeface="Segoe UI"/>
-        <a:font script="Mymr" typeface="Myanmar Text"/>
-        <a:font script="Nkoo" typeface="Ebrima"/>
-        <a:font script="Olck" typeface="Nirmala UI"/>
-        <a:font script="Osma" typeface="Ebrima"/>
-        <a:font script="Phag" typeface="Phagspa"/>
-        <a:font script="Syrn" typeface="Estrangelo Edessa"/>
-        <a:font script="Syrj" typeface="Estrangelo Edessa"/>
-        <a:font script="Syre" typeface="Estrangelo Edessa"/>
-        <a:font script="Sora" typeface="Nirmala UI"/>
-        <a:font script="Tale" typeface="Microsoft Tai Le"/>
-        <a:font script="Talu" typeface="Microsoft New Tai Lue"/>
-        <a:font script="Tfng" typeface="Ebrima"/>
       </a:minorFont>
     </a:fontScheme>
     <a:fmtScheme name="Office">
@@ -8828,8 +8686,6 @@
       </a:bgFillStyleLst>
     </a:fmtScheme>
   </a:themeElements>
-  <a:objectDefaults/>
-  <a:extraClrSchemeLst/>
   <a:extLst>
     <a:ext uri="{05A4C25C-085E-4340-85A3-A5531E510DB2}">
       <thm15:themeFamily xmlns:thm15="http://schemas.microsoft.com/office/thememl/2012/main" name="Office Theme" id="{62F939B6-93AF-4DB8-9C6B-D6C7DFDC589F}" vid="{4A3C46E8-61CC-4603-A589-7422A47A8E4A}"/>
